--- a/Share/Vscode+Vim全键盘Coding.pptx
+++ b/Share/Vscode+Vim全键盘Coding.pptx
@@ -6708,7 +6708,7 @@
                 <a:latin typeface="Arial" panose="020B0604020202020204" pitchFamily="34" charset="0"/>
                 <a:sym typeface="+mn-ea"/>
               </a:rPr>
-              <a:t>Switch &lt;Caps&gt;  with &lt;ESC&gt;</a:t>
+              <a:t>Switch &lt;Caps&gt;  with  &lt;ESC&gt;</a:t>
             </a:r>
             <a:endParaRPr lang="en-US" altLang="en-US">
               <a:latin typeface="Arial" panose="020B0604020202020204" pitchFamily="34" charset="0"/>

--- a/Share/Vscode+Vim全键盘Coding.pptx
+++ b/Share/Vscode+Vim全键盘Coding.pptx
@@ -3691,6 +3691,138 @@
           </p:txBody>
         </p:sp>
       </p:grpSp>
+      <p:grpSp>
+        <p:nvGrpSpPr>
+          <p:cNvPr id="6" name="Group 5"/>
+          <p:cNvGrpSpPr/>
+          <p:nvPr/>
+        </p:nvGrpSpPr>
+        <p:grpSpPr>
+          <a:xfrm>
+            <a:off x="2529840" y="4089400"/>
+            <a:ext cx="6730365" cy="645160"/>
+            <a:chOff x="4271" y="4393"/>
+            <a:chExt cx="10599" cy="1016"/>
+          </a:xfrm>
+        </p:grpSpPr>
+        <p:sp>
+          <p:nvSpPr>
+            <p:cNvPr id="10" name="Text Box 9"/>
+            <p:cNvSpPr txBox="1"/>
+            <p:nvPr/>
+          </p:nvSpPr>
+          <p:spPr>
+            <a:xfrm>
+              <a:off x="9210" y="4393"/>
+              <a:ext cx="1728" cy="1016"/>
+            </a:xfrm>
+            <a:prstGeom prst="rect">
+              <a:avLst/>
+            </a:prstGeom>
+            <a:noFill/>
+          </p:spPr>
+          <p:txBody>
+            <a:bodyPr wrap="none" rtlCol="0" anchor="t">
+              <a:spAutoFit/>
+            </a:bodyPr>
+            <a:p>
+              <a:r>
+                <a:rPr lang="" altLang="en-US" sz="3600">
+                  <a:solidFill>
+                    <a:schemeClr val="accent2"/>
+                  </a:solidFill>
+                  <a:sym typeface="+mn-ea"/>
+                </a:rPr>
+                <a:t>输入</a:t>
+              </a:r>
+              <a:endParaRPr lang="" altLang="en-US" sz="3600">
+                <a:solidFill>
+                  <a:schemeClr val="accent2"/>
+                </a:solidFill>
+                <a:sym typeface="+mn-ea"/>
+              </a:endParaRPr>
+            </a:p>
+          </p:txBody>
+        </p:sp>
+        <p:sp>
+          <p:nvSpPr>
+            <p:cNvPr id="11" name="Text Box 10"/>
+            <p:cNvSpPr txBox="1"/>
+            <p:nvPr/>
+          </p:nvSpPr>
+          <p:spPr>
+            <a:xfrm>
+              <a:off x="13142" y="4393"/>
+              <a:ext cx="1728" cy="1016"/>
+            </a:xfrm>
+            <a:prstGeom prst="rect">
+              <a:avLst/>
+            </a:prstGeom>
+            <a:noFill/>
+          </p:spPr>
+          <p:txBody>
+            <a:bodyPr wrap="none" rtlCol="0" anchor="t">
+              <a:spAutoFit/>
+            </a:bodyPr>
+            <a:p>
+              <a:r>
+                <a:rPr lang="" altLang="en-US" sz="3600">
+                  <a:solidFill>
+                    <a:schemeClr val="accent6"/>
+                  </a:solidFill>
+                  <a:sym typeface="+mn-ea"/>
+                </a:rPr>
+                <a:t>选择</a:t>
+              </a:r>
+              <a:endParaRPr lang="" altLang="en-US" sz="3600">
+                <a:solidFill>
+                  <a:schemeClr val="accent6"/>
+                </a:solidFill>
+                <a:sym typeface="+mn-ea"/>
+              </a:endParaRPr>
+            </a:p>
+          </p:txBody>
+        </p:sp>
+        <p:sp>
+          <p:nvSpPr>
+            <p:cNvPr id="12" name="Text Box 11"/>
+            <p:cNvSpPr txBox="1"/>
+            <p:nvPr/>
+          </p:nvSpPr>
+          <p:spPr>
+            <a:xfrm>
+              <a:off x="4271" y="4393"/>
+              <a:ext cx="3368" cy="1016"/>
+            </a:xfrm>
+            <a:prstGeom prst="rect">
+              <a:avLst/>
+            </a:prstGeom>
+            <a:noFill/>
+          </p:spPr>
+          <p:txBody>
+            <a:bodyPr wrap="none" rtlCol="0" anchor="t">
+              <a:spAutoFit/>
+            </a:bodyPr>
+            <a:p>
+              <a:r>
+                <a:rPr lang="" altLang="en-US" sz="3600">
+                  <a:solidFill>
+                    <a:schemeClr val="accent1"/>
+                  </a:solidFill>
+                  <a:sym typeface="+mn-ea"/>
+                </a:rPr>
+                <a:t>移动/命令</a:t>
+              </a:r>
+              <a:endParaRPr lang="" altLang="en-US" sz="3600">
+                <a:solidFill>
+                  <a:schemeClr val="accent1"/>
+                </a:solidFill>
+                <a:sym typeface="+mn-ea"/>
+              </a:endParaRPr>
+            </a:p>
+          </p:txBody>
+        </p:sp>
+      </p:grpSp>
     </p:spTree>
   </p:cSld>
   <p:clrMapOvr>
@@ -4725,6 +4857,13 @@
           <a:p>
             <a:r>
               <a:rPr lang="" altLang="en-US"/>
+              <a:t>dt”</a:t>
+            </a:r>
+            <a:endParaRPr lang="" altLang="en-US"/>
+          </a:p>
+          <a:p>
+            <a:r>
+              <a:rPr lang="" altLang="en-US"/>
               <a:t>yi”</a:t>
             </a:r>
             <a:endParaRPr lang="" altLang="en-US"/>
@@ -4745,6 +4884,480 @@
           </a:p>
           <a:p>
             <a:endParaRPr lang="" altLang="en-US"/>
+          </a:p>
+        </p:txBody>
+      </p:sp>
+      <p:sp>
+        <p:nvSpPr>
+          <p:cNvPr id="5" name="Title 3"/>
+          <p:cNvSpPr>
+            <a:spLocks noGrp="1"/>
+          </p:cNvSpPr>
+          <p:nvPr/>
+        </p:nvSpPr>
+        <p:spPr>
+          <a:xfrm>
+            <a:off x="8145780" y="3653790"/>
+            <a:ext cx="3519170" cy="4532630"/>
+          </a:xfrm>
+          <a:prstGeom prst="rect">
+            <a:avLst/>
+          </a:prstGeom>
+        </p:spPr>
+        <p:txBody>
+          <a:bodyPr vert="horz" lIns="91440" tIns="45720" rIns="91440" bIns="45720" rtlCol="0" anchor="ctr">
+            <a:normAutofit/>
+          </a:bodyPr>
+          <a:lstStyle>
+            <a:lvl1pPr algn="l" defTabSz="914400" rtl="0" eaLnBrk="1" latinLnBrk="0" hangingPunct="1">
+              <a:lnSpc>
+                <a:spcPct val="90000"/>
+              </a:lnSpc>
+              <a:spcBef>
+                <a:spcPct val="0"/>
+              </a:spcBef>
+              <a:buNone/>
+              <a:defRPr sz="4400" kern="1200">
+                <a:solidFill>
+                  <a:schemeClr val="tx1"/>
+                </a:solidFill>
+                <a:latin typeface="+mj-lt"/>
+                <a:ea typeface="+mj-ea"/>
+                <a:cs typeface="+mj-cs"/>
+              </a:defRPr>
+            </a:lvl1pPr>
+          </a:lstStyle>
+          <a:p>
+            <a:pPr algn="ctr"/>
+            <a:r>
+              <a:rPr lang="en-US" altLang="en-US" sz="2400">
+                <a:solidFill>
+                  <a:schemeClr val="accent2"/>
+                </a:solidFill>
+                <a:latin typeface="Arial" panose="020B0604020202020204" pitchFamily="34" charset="0"/>
+              </a:rPr>
+              <a:t>Text Objects</a:t>
+            </a:r>
+            <a:endParaRPr lang="en-US" altLang="en-US" sz="2400">
+              <a:solidFill>
+                <a:schemeClr val="tx1"/>
+              </a:solidFill>
+              <a:latin typeface="Arial" panose="020B0604020202020204" pitchFamily="34" charset="0"/>
+            </a:endParaRPr>
+          </a:p>
+          <a:p>
+            <a:pPr algn="ctr"/>
+            <a:endParaRPr lang="en-US" altLang="en-US" sz="2400">
+              <a:solidFill>
+                <a:schemeClr val="tx1"/>
+              </a:solidFill>
+              <a:latin typeface="Arial" panose="020B0604020202020204" pitchFamily="34" charset="0"/>
+            </a:endParaRPr>
+          </a:p>
+          <a:p>
+            <a:pPr algn="ctr"/>
+            <a:r>
+              <a:rPr lang="en-US" altLang="en-US" sz="2400">
+                <a:solidFill>
+                  <a:schemeClr val="tx1"/>
+                </a:solidFill>
+                <a:latin typeface="Arial" panose="020B0604020202020204" pitchFamily="34" charset="0"/>
+              </a:rPr>
+              <a:t>`w` for `words`</a:t>
+            </a:r>
+            <a:endParaRPr lang="en-US" altLang="en-US" sz="2400">
+              <a:solidFill>
+                <a:schemeClr val="tx1"/>
+              </a:solidFill>
+              <a:latin typeface="Arial" panose="020B0604020202020204" pitchFamily="34" charset="0"/>
+            </a:endParaRPr>
+          </a:p>
+          <a:p>
+            <a:pPr algn="ctr"/>
+            <a:r>
+              <a:rPr lang="en-US" altLang="en-US" sz="2400">
+                <a:solidFill>
+                  <a:schemeClr val="tx1"/>
+                </a:solidFill>
+                <a:latin typeface="Arial" panose="020B0604020202020204" pitchFamily="34" charset="0"/>
+              </a:rPr>
+              <a:t>`t` for `tags`</a:t>
+            </a:r>
+            <a:endParaRPr lang="en-US" altLang="en-US" sz="2400">
+              <a:solidFill>
+                <a:schemeClr val="tx1"/>
+              </a:solidFill>
+              <a:latin typeface="Arial" panose="020B0604020202020204" pitchFamily="34" charset="0"/>
+            </a:endParaRPr>
+          </a:p>
+          <a:p>
+            <a:pPr algn="ctr"/>
+            <a:r>
+              <a:rPr lang="en-US" altLang="en-US" sz="2400">
+                <a:solidFill>
+                  <a:schemeClr val="tx1"/>
+                </a:solidFill>
+                <a:latin typeface="Arial" panose="020B0604020202020204" pitchFamily="34" charset="0"/>
+              </a:rPr>
+              <a:t>`e` for `end of a word`</a:t>
+            </a:r>
+            <a:endParaRPr lang="en-US" altLang="en-US" sz="2400">
+              <a:solidFill>
+                <a:schemeClr val="tx1"/>
+              </a:solidFill>
+              <a:latin typeface="Arial" panose="020B0604020202020204" pitchFamily="34" charset="0"/>
+            </a:endParaRPr>
+          </a:p>
+          <a:p>
+            <a:pPr algn="ctr"/>
+            <a:endParaRPr lang="en-US" altLang="en-US" sz="2400">
+              <a:solidFill>
+                <a:schemeClr val="bg2">
+                  <a:lumMod val="50000"/>
+                </a:schemeClr>
+              </a:solidFill>
+              <a:latin typeface="Arial" panose="020B0604020202020204" pitchFamily="34" charset="0"/>
+            </a:endParaRPr>
+          </a:p>
+        </p:txBody>
+      </p:sp>
+      <p:sp>
+        <p:nvSpPr>
+          <p:cNvPr id="6" name="Title 3"/>
+          <p:cNvSpPr>
+            <a:spLocks noGrp="1"/>
+          </p:cNvSpPr>
+          <p:nvPr/>
+        </p:nvSpPr>
+        <p:spPr>
+          <a:xfrm>
+            <a:off x="8145780" y="1080135"/>
+            <a:ext cx="3467735" cy="4532630"/>
+          </a:xfrm>
+          <a:prstGeom prst="rect">
+            <a:avLst/>
+          </a:prstGeom>
+        </p:spPr>
+        <p:txBody>
+          <a:bodyPr vert="horz" lIns="91440" tIns="45720" rIns="91440" bIns="45720" rtlCol="0" anchor="ctr">
+            <a:normAutofit/>
+          </a:bodyPr>
+          <a:lstStyle>
+            <a:lvl1pPr algn="l" defTabSz="914400" rtl="0" eaLnBrk="1" latinLnBrk="0" hangingPunct="1">
+              <a:lnSpc>
+                <a:spcPct val="90000"/>
+              </a:lnSpc>
+              <a:spcBef>
+                <a:spcPct val="0"/>
+              </a:spcBef>
+              <a:buNone/>
+              <a:defRPr sz="4400" kern="1200">
+                <a:solidFill>
+                  <a:schemeClr val="tx1"/>
+                </a:solidFill>
+                <a:latin typeface="+mj-lt"/>
+                <a:ea typeface="+mj-ea"/>
+                <a:cs typeface="+mj-cs"/>
+              </a:defRPr>
+            </a:lvl1pPr>
+          </a:lstStyle>
+          <a:p>
+            <a:pPr algn="ctr"/>
+            <a:endParaRPr lang="en-US" altLang="en-US" sz="2400">
+              <a:solidFill>
+                <a:schemeClr val="tx1"/>
+              </a:solidFill>
+              <a:latin typeface="Arial" panose="020B0604020202020204" pitchFamily="34" charset="0"/>
+            </a:endParaRPr>
+          </a:p>
+          <a:p>
+            <a:pPr algn="ctr"/>
+            <a:endParaRPr lang="en-US" altLang="en-US" sz="2400">
+              <a:solidFill>
+                <a:schemeClr val="tx1"/>
+              </a:solidFill>
+              <a:latin typeface="Arial" panose="020B0604020202020204" pitchFamily="34" charset="0"/>
+            </a:endParaRPr>
+          </a:p>
+          <a:p>
+            <a:pPr algn="ctr"/>
+            <a:r>
+              <a:rPr lang="en-US" altLang="en-US" sz="2400">
+                <a:solidFill>
+                  <a:schemeClr val="accent2"/>
+                </a:solidFill>
+                <a:latin typeface="Arial" panose="020B0604020202020204" pitchFamily="34" charset="0"/>
+              </a:rPr>
+              <a:t>Determiner</a:t>
+            </a:r>
+            <a:endParaRPr lang="en-US" altLang="en-US" sz="2400">
+              <a:solidFill>
+                <a:schemeClr val="accent2"/>
+              </a:solidFill>
+              <a:latin typeface="Arial" panose="020B0604020202020204" pitchFamily="34" charset="0"/>
+            </a:endParaRPr>
+          </a:p>
+          <a:p>
+            <a:pPr algn="ctr"/>
+            <a:endParaRPr lang="en-US" altLang="en-US" sz="2400">
+              <a:solidFill>
+                <a:schemeClr val="tx1"/>
+              </a:solidFill>
+              <a:latin typeface="Arial" panose="020B0604020202020204" pitchFamily="34" charset="0"/>
+            </a:endParaRPr>
+          </a:p>
+          <a:p>
+            <a:pPr algn="ctr"/>
+            <a:r>
+              <a:rPr lang="en-US" altLang="en-US" sz="2400">
+                <a:solidFill>
+                  <a:schemeClr val="tx1"/>
+                </a:solidFill>
+                <a:latin typeface="Arial" panose="020B0604020202020204" pitchFamily="34" charset="0"/>
+              </a:rPr>
+              <a:t>`a` for `all`</a:t>
+            </a:r>
+            <a:endParaRPr lang="en-US" altLang="en-US" sz="2400">
+              <a:solidFill>
+                <a:schemeClr val="tx1"/>
+              </a:solidFill>
+              <a:latin typeface="Arial" panose="020B0604020202020204" pitchFamily="34" charset="0"/>
+            </a:endParaRPr>
+          </a:p>
+          <a:p>
+            <a:pPr algn="ctr"/>
+            <a:r>
+              <a:rPr lang="en-US" altLang="en-US" sz="2400">
+                <a:solidFill>
+                  <a:schemeClr val="tx1"/>
+                </a:solidFill>
+                <a:latin typeface="Arial" panose="020B0604020202020204" pitchFamily="34" charset="0"/>
+              </a:rPr>
+              <a:t>`i` for `in/inside`</a:t>
+            </a:r>
+            <a:endParaRPr lang="en-US" altLang="en-US" sz="2400">
+              <a:solidFill>
+                <a:schemeClr val="tx1"/>
+              </a:solidFill>
+              <a:latin typeface="Arial" panose="020B0604020202020204" pitchFamily="34" charset="0"/>
+            </a:endParaRPr>
+          </a:p>
+          <a:p>
+            <a:pPr algn="ctr"/>
+            <a:r>
+              <a:rPr lang="en-US" altLang="en-US" sz="2400">
+                <a:solidFill>
+                  <a:schemeClr val="tx1"/>
+                </a:solidFill>
+                <a:latin typeface="Arial" panose="020B0604020202020204" pitchFamily="34" charset="0"/>
+              </a:rPr>
+              <a:t>`t` for `till`</a:t>
+            </a:r>
+            <a:endParaRPr lang="en-US" altLang="en-US" sz="2400">
+              <a:solidFill>
+                <a:schemeClr val="tx1"/>
+              </a:solidFill>
+              <a:latin typeface="Arial" panose="020B0604020202020204" pitchFamily="34" charset="0"/>
+            </a:endParaRPr>
+          </a:p>
+          <a:p>
+            <a:pPr algn="ctr"/>
+            <a:r>
+              <a:rPr lang="en-US" altLang="en-US" sz="2400">
+                <a:solidFill>
+                  <a:schemeClr val="tx1"/>
+                </a:solidFill>
+                <a:latin typeface="Arial" panose="020B0604020202020204" pitchFamily="34" charset="0"/>
+              </a:rPr>
+              <a:t>`f` for `find forward`</a:t>
+            </a:r>
+            <a:endParaRPr lang="en-US" altLang="en-US" sz="2400">
+              <a:solidFill>
+                <a:schemeClr val="tx1"/>
+              </a:solidFill>
+              <a:latin typeface="Arial" panose="020B0604020202020204" pitchFamily="34" charset="0"/>
+            </a:endParaRPr>
+          </a:p>
+          <a:p>
+            <a:pPr algn="ctr"/>
+            <a:r>
+              <a:rPr lang="en-US" altLang="en-US" sz="2400">
+                <a:solidFill>
+                  <a:schemeClr val="tx1"/>
+                </a:solidFill>
+                <a:latin typeface="Arial" panose="020B0604020202020204" pitchFamily="34" charset="0"/>
+              </a:rPr>
+              <a:t>`F` for `find backward`</a:t>
+            </a:r>
+            <a:endParaRPr lang="en-US" altLang="en-US" sz="2400">
+              <a:solidFill>
+                <a:schemeClr val="tx1"/>
+              </a:solidFill>
+              <a:latin typeface="Arial" panose="020B0604020202020204" pitchFamily="34" charset="0"/>
+            </a:endParaRPr>
+          </a:p>
+          <a:p>
+            <a:pPr algn="ctr"/>
+            <a:endParaRPr lang="en-US" altLang="en-US" sz="2400">
+              <a:solidFill>
+                <a:schemeClr val="bg2">
+                  <a:lumMod val="50000"/>
+                </a:schemeClr>
+              </a:solidFill>
+              <a:latin typeface="Arial" panose="020B0604020202020204" pitchFamily="34" charset="0"/>
+            </a:endParaRPr>
+          </a:p>
+        </p:txBody>
+      </p:sp>
+      <p:sp>
+        <p:nvSpPr>
+          <p:cNvPr id="7" name="Title 3"/>
+          <p:cNvSpPr>
+            <a:spLocks noGrp="1"/>
+          </p:cNvSpPr>
+          <p:nvPr/>
+        </p:nvSpPr>
+        <p:spPr>
+          <a:xfrm>
+            <a:off x="8145780" y="-880110"/>
+            <a:ext cx="3467735" cy="4532630"/>
+          </a:xfrm>
+          <a:prstGeom prst="rect">
+            <a:avLst/>
+          </a:prstGeom>
+        </p:spPr>
+        <p:txBody>
+          <a:bodyPr vert="horz" lIns="91440" tIns="45720" rIns="91440" bIns="45720" rtlCol="0" anchor="ctr">
+            <a:normAutofit/>
+          </a:bodyPr>
+          <a:lstStyle>
+            <a:lvl1pPr algn="l" defTabSz="914400" rtl="0" eaLnBrk="1" latinLnBrk="0" hangingPunct="1">
+              <a:lnSpc>
+                <a:spcPct val="90000"/>
+              </a:lnSpc>
+              <a:spcBef>
+                <a:spcPct val="0"/>
+              </a:spcBef>
+              <a:buNone/>
+              <a:defRPr sz="4400" kern="1200">
+                <a:solidFill>
+                  <a:schemeClr val="tx1"/>
+                </a:solidFill>
+                <a:latin typeface="+mj-lt"/>
+                <a:ea typeface="+mj-ea"/>
+                <a:cs typeface="+mj-cs"/>
+              </a:defRPr>
+            </a:lvl1pPr>
+          </a:lstStyle>
+          <a:p>
+            <a:pPr algn="ctr"/>
+            <a:r>
+              <a:rPr lang="en-US" altLang="en-US" sz="2400">
+                <a:solidFill>
+                  <a:schemeClr val="accent2"/>
+                </a:solidFill>
+                <a:latin typeface="Arial" panose="020B0604020202020204" pitchFamily="34" charset="0"/>
+              </a:rPr>
+              <a:t>Commands</a:t>
+            </a:r>
+            <a:endParaRPr lang="en-US" altLang="en-US" sz="2400">
+              <a:solidFill>
+                <a:schemeClr val="accent2"/>
+              </a:solidFill>
+              <a:latin typeface="Arial" panose="020B0604020202020204" pitchFamily="34" charset="0"/>
+            </a:endParaRPr>
+          </a:p>
+          <a:p>
+            <a:pPr algn="ctr"/>
+            <a:endParaRPr lang="en-US" altLang="en-US" sz="2400">
+              <a:solidFill>
+                <a:schemeClr val="tx1"/>
+              </a:solidFill>
+              <a:latin typeface="Arial" panose="020B0604020202020204" pitchFamily="34" charset="0"/>
+            </a:endParaRPr>
+          </a:p>
+          <a:p>
+            <a:pPr algn="ctr"/>
+            <a:r>
+              <a:rPr lang="en-US" altLang="en-US" sz="2400">
+                <a:solidFill>
+                  <a:schemeClr val="tx1"/>
+                </a:solidFill>
+                <a:latin typeface="Arial" panose="020B0604020202020204" pitchFamily="34" charset="0"/>
+              </a:rPr>
+              <a:t>`d` for `delete/cut`</a:t>
+            </a:r>
+            <a:endParaRPr lang="en-US" altLang="en-US" sz="2400">
+              <a:solidFill>
+                <a:schemeClr val="tx1"/>
+              </a:solidFill>
+              <a:latin typeface="Arial" panose="020B0604020202020204" pitchFamily="34" charset="0"/>
+            </a:endParaRPr>
+          </a:p>
+          <a:p>
+            <a:pPr algn="ctr"/>
+            <a:r>
+              <a:rPr lang="en-US" altLang="en-US" sz="2400">
+                <a:solidFill>
+                  <a:schemeClr val="tx1"/>
+                </a:solidFill>
+                <a:latin typeface="Arial" panose="020B0604020202020204" pitchFamily="34" charset="0"/>
+              </a:rPr>
+              <a:t>`c` for `change`</a:t>
+            </a:r>
+            <a:endParaRPr lang="en-US" altLang="en-US" sz="2400">
+              <a:solidFill>
+                <a:schemeClr val="tx1"/>
+              </a:solidFill>
+              <a:latin typeface="Arial" panose="020B0604020202020204" pitchFamily="34" charset="0"/>
+            </a:endParaRPr>
+          </a:p>
+          <a:p>
+            <a:pPr algn="ctr"/>
+            <a:r>
+              <a:rPr lang="en-US" altLang="en-US" sz="2400">
+                <a:solidFill>
+                  <a:schemeClr val="tx1"/>
+                </a:solidFill>
+                <a:latin typeface="Arial" panose="020B0604020202020204" pitchFamily="34" charset="0"/>
+              </a:rPr>
+              <a:t>`y` for `yank/copy`</a:t>
+            </a:r>
+            <a:endParaRPr lang="en-US" altLang="en-US" sz="2400">
+              <a:solidFill>
+                <a:schemeClr val="tx1"/>
+              </a:solidFill>
+              <a:latin typeface="Arial" panose="020B0604020202020204" pitchFamily="34" charset="0"/>
+            </a:endParaRPr>
+          </a:p>
+          <a:p>
+            <a:pPr algn="ctr"/>
+            <a:r>
+              <a:rPr lang="en-US" altLang="en-US" sz="2400">
+                <a:solidFill>
+                  <a:schemeClr val="tx1"/>
+                </a:solidFill>
+                <a:latin typeface="Arial" panose="020B0604020202020204" pitchFamily="34" charset="0"/>
+              </a:rPr>
+              <a:t>`v` for `visually select`</a:t>
+            </a:r>
+            <a:endParaRPr lang="en-US" altLang="en-US" sz="2400">
+              <a:solidFill>
+                <a:schemeClr val="tx1"/>
+              </a:solidFill>
+              <a:latin typeface="Arial" panose="020B0604020202020204" pitchFamily="34" charset="0"/>
+            </a:endParaRPr>
+          </a:p>
+          <a:p>
+            <a:pPr algn="ctr"/>
+            <a:endParaRPr lang="en-US" altLang="en-US" sz="2400">
+              <a:solidFill>
+                <a:schemeClr val="bg2">
+                  <a:lumMod val="50000"/>
+                </a:schemeClr>
+              </a:solidFill>
+              <a:latin typeface="Arial" panose="020B0604020202020204" pitchFamily="34" charset="0"/>
+            </a:endParaRPr>
           </a:p>
         </p:txBody>
       </p:sp>
@@ -5229,7 +5842,7 @@
             </a:r>
             <a:r>
               <a:rPr lang="en-US"/>
-              <a:t>": ["editor.action.addCommentLine"]</a:t>
+              <a:t>": ["editor.action.commentLine"]</a:t>
             </a:r>
             <a:endParaRPr lang="en-US"/>
           </a:p>
